--- a/images/editable.pptx
+++ b/images/editable.pptx
@@ -6,9 +6,10 @@
   </p:sldMasterIdLst>
   <p:sldIdLst>
     <p:sldId id="256" r:id="rId2"/>
-    <p:sldId id="257" r:id="rId3"/>
-    <p:sldId id="258" r:id="rId4"/>
-    <p:sldId id="259" r:id="rId5"/>
+    <p:sldId id="260" r:id="rId3"/>
+    <p:sldId id="257" r:id="rId4"/>
+    <p:sldId id="258" r:id="rId5"/>
+    <p:sldId id="259" r:id="rId6"/>
   </p:sldIdLst>
   <p:sldSz cx="9144000" cy="6858000" type="screen4x3"/>
   <p:notesSz cx="6858000" cy="9144000"/>
@@ -291,7 +292,7 @@
           <a:p>
             <a:fld id="{C2234D93-CD06-2C4B-8436-4974F07E4DB6}" type="datetimeFigureOut">
               <a:rPr lang="en-US" smtClean="0"/>
-              <a:t>11/14/14</a:t>
+              <a:t>11/17/14</a:t>
             </a:fld>
             <a:endParaRPr lang="en-US"/>
           </a:p>
@@ -461,7 +462,7 @@
           <a:p>
             <a:fld id="{C2234D93-CD06-2C4B-8436-4974F07E4DB6}" type="datetimeFigureOut">
               <a:rPr lang="en-US" smtClean="0"/>
-              <a:t>11/14/14</a:t>
+              <a:t>11/17/14</a:t>
             </a:fld>
             <a:endParaRPr lang="en-US"/>
           </a:p>
@@ -641,7 +642,7 @@
           <a:p>
             <a:fld id="{C2234D93-CD06-2C4B-8436-4974F07E4DB6}" type="datetimeFigureOut">
               <a:rPr lang="en-US" smtClean="0"/>
-              <a:t>11/14/14</a:t>
+              <a:t>11/17/14</a:t>
             </a:fld>
             <a:endParaRPr lang="en-US"/>
           </a:p>
@@ -811,7 +812,7 @@
           <a:p>
             <a:fld id="{C2234D93-CD06-2C4B-8436-4974F07E4DB6}" type="datetimeFigureOut">
               <a:rPr lang="en-US" smtClean="0"/>
-              <a:t>11/14/14</a:t>
+              <a:t>11/17/14</a:t>
             </a:fld>
             <a:endParaRPr lang="en-US"/>
           </a:p>
@@ -1057,7 +1058,7 @@
           <a:p>
             <a:fld id="{C2234D93-CD06-2C4B-8436-4974F07E4DB6}" type="datetimeFigureOut">
               <a:rPr lang="en-US" smtClean="0"/>
-              <a:t>11/14/14</a:t>
+              <a:t>11/17/14</a:t>
             </a:fld>
             <a:endParaRPr lang="en-US"/>
           </a:p>
@@ -1345,7 +1346,7 @@
           <a:p>
             <a:fld id="{C2234D93-CD06-2C4B-8436-4974F07E4DB6}" type="datetimeFigureOut">
               <a:rPr lang="en-US" smtClean="0"/>
-              <a:t>11/14/14</a:t>
+              <a:t>11/17/14</a:t>
             </a:fld>
             <a:endParaRPr lang="en-US"/>
           </a:p>
@@ -1767,7 +1768,7 @@
           <a:p>
             <a:fld id="{C2234D93-CD06-2C4B-8436-4974F07E4DB6}" type="datetimeFigureOut">
               <a:rPr lang="en-US" smtClean="0"/>
-              <a:t>11/14/14</a:t>
+              <a:t>11/17/14</a:t>
             </a:fld>
             <a:endParaRPr lang="en-US"/>
           </a:p>
@@ -1885,7 +1886,7 @@
           <a:p>
             <a:fld id="{C2234D93-CD06-2C4B-8436-4974F07E4DB6}" type="datetimeFigureOut">
               <a:rPr lang="en-US" smtClean="0"/>
-              <a:t>11/14/14</a:t>
+              <a:t>11/17/14</a:t>
             </a:fld>
             <a:endParaRPr lang="en-US"/>
           </a:p>
@@ -1980,7 +1981,7 @@
           <a:p>
             <a:fld id="{C2234D93-CD06-2C4B-8436-4974F07E4DB6}" type="datetimeFigureOut">
               <a:rPr lang="en-US" smtClean="0"/>
-              <a:t>11/14/14</a:t>
+              <a:t>11/17/14</a:t>
             </a:fld>
             <a:endParaRPr lang="en-US"/>
           </a:p>
@@ -2257,7 +2258,7 @@
           <a:p>
             <a:fld id="{C2234D93-CD06-2C4B-8436-4974F07E4DB6}" type="datetimeFigureOut">
               <a:rPr lang="en-US" smtClean="0"/>
-              <a:t>11/14/14</a:t>
+              <a:t>11/17/14</a:t>
             </a:fld>
             <a:endParaRPr lang="en-US"/>
           </a:p>
@@ -2510,7 +2511,7 @@
           <a:p>
             <a:fld id="{C2234D93-CD06-2C4B-8436-4974F07E4DB6}" type="datetimeFigureOut">
               <a:rPr lang="en-US" smtClean="0"/>
-              <a:t>11/14/14</a:t>
+              <a:t>11/17/14</a:t>
             </a:fld>
             <a:endParaRPr lang="en-US"/>
           </a:p>
@@ -2723,7 +2724,7 @@
           <a:p>
             <a:fld id="{C2234D93-CD06-2C4B-8436-4974F07E4DB6}" type="datetimeFigureOut">
               <a:rPr lang="en-US" smtClean="0"/>
-              <a:t>11/14/14</a:t>
+              <a:t>11/17/14</a:t>
             </a:fld>
             <a:endParaRPr lang="en-US"/>
           </a:p>
@@ -3146,10 +3147,114 @@
   <p:clrMapOvr>
     <a:masterClrMapping/>
   </p:clrMapOvr>
+  <p:timing>
+    <p:tnLst>
+      <p:par>
+        <p:cTn xmlns:p14="http://schemas.microsoft.com/office/powerpoint/2010/main" id="1" dur="indefinite" restart="never" nodeType="tmRoot"/>
+      </p:par>
+    </p:tnLst>
+  </p:timing>
 </p:sld>
 </file>
 
 <file path=ppt/slides/slide2.xml><?xml version="1.0" encoding="utf-8"?>
+<p:sld xmlns:a="http://schemas.openxmlformats.org/drawingml/2006/main" xmlns:r="http://schemas.openxmlformats.org/officeDocument/2006/relationships" xmlns:p="http://schemas.openxmlformats.org/presentationml/2006/main">
+  <p:cSld>
+    <p:spTree>
+      <p:nvGrpSpPr>
+        <p:cNvPr id="1" name=""/>
+        <p:cNvGrpSpPr/>
+        <p:nvPr/>
+      </p:nvGrpSpPr>
+      <p:grpSpPr>
+        <a:xfrm>
+          <a:off x="0" y="0"/>
+          <a:ext cx="0" cy="0"/>
+          <a:chOff x="0" y="0"/>
+          <a:chExt cx="0" cy="0"/>
+        </a:xfrm>
+      </p:grpSpPr>
+      <p:pic>
+        <p:nvPicPr>
+          <p:cNvPr id="4" name="Picture 3" descr="python-data-analysis.jpg"/>
+          <p:cNvPicPr>
+            <a:picLocks noChangeAspect="1"/>
+          </p:cNvPicPr>
+          <p:nvPr/>
+        </p:nvPicPr>
+        <p:blipFill>
+          <a:blip r:embed="rId2">
+            <a:extLst>
+              <a:ext uri="{28A0092B-C50C-407E-A947-70E740481C1C}">
+                <a14:useLocalDpi xmlns:a14="http://schemas.microsoft.com/office/drawing/2010/main" val="0"/>
+              </a:ext>
+            </a:extLst>
+          </a:blip>
+          <a:stretch>
+            <a:fillRect/>
+          </a:stretch>
+        </p:blipFill>
+        <p:spPr>
+          <a:xfrm>
+            <a:off x="361897" y="1422397"/>
+            <a:ext cx="3175001" cy="4165601"/>
+          </a:xfrm>
+          <a:prstGeom prst="rect">
+            <a:avLst/>
+          </a:prstGeom>
+        </p:spPr>
+      </p:pic>
+      <p:pic>
+        <p:nvPicPr>
+          <p:cNvPr id="5" name="Picture 4" descr="about-orm.png"/>
+          <p:cNvPicPr>
+            <a:picLocks noChangeAspect="1"/>
+          </p:cNvPicPr>
+          <p:nvPr/>
+        </p:nvPicPr>
+        <p:blipFill>
+          <a:blip r:embed="rId3">
+            <a:extLst>
+              <a:ext uri="{28A0092B-C50C-407E-A947-70E740481C1C}">
+                <a14:useLocalDpi xmlns:a14="http://schemas.microsoft.com/office/drawing/2010/main" val="0"/>
+              </a:ext>
+            </a:extLst>
+          </a:blip>
+          <a:stretch>
+            <a:fillRect/>
+          </a:stretch>
+        </p:blipFill>
+        <p:spPr>
+          <a:xfrm>
+            <a:off x="3535954" y="1337731"/>
+            <a:ext cx="4993716" cy="4419601"/>
+          </a:xfrm>
+          <a:prstGeom prst="rect">
+            <a:avLst/>
+          </a:prstGeom>
+        </p:spPr>
+      </p:pic>
+    </p:spTree>
+    <p:extLst>
+      <p:ext uri="{BB962C8B-B14F-4D97-AF65-F5344CB8AC3E}">
+        <p14:creationId xmlns:p14="http://schemas.microsoft.com/office/powerpoint/2010/main" val="3730974885"/>
+      </p:ext>
+    </p:extLst>
+  </p:cSld>
+  <p:clrMapOvr>
+    <a:masterClrMapping/>
+  </p:clrMapOvr>
+  <p:timing>
+    <p:tnLst>
+      <p:par>
+        <p:cTn xmlns:p14="http://schemas.microsoft.com/office/powerpoint/2010/main" id="1" dur="indefinite" restart="never" nodeType="tmRoot"/>
+      </p:par>
+    </p:tnLst>
+  </p:timing>
+</p:sld>
+</file>
+
+<file path=ppt/slides/slide3.xml><?xml version="1.0" encoding="utf-8"?>
 <p:sld xmlns:a="http://schemas.openxmlformats.org/drawingml/2006/main" xmlns:r="http://schemas.openxmlformats.org/officeDocument/2006/relationships" xmlns:p="http://schemas.openxmlformats.org/presentationml/2006/main">
   <p:cSld>
     <p:spTree>
@@ -3312,7 +3417,7 @@
 </p:sld>
 </file>
 
-<file path=ppt/slides/slide3.xml><?xml version="1.0" encoding="utf-8"?>
+<file path=ppt/slides/slide4.xml><?xml version="1.0" encoding="utf-8"?>
 <p:sld xmlns:a="http://schemas.openxmlformats.org/drawingml/2006/main" xmlns:r="http://schemas.openxmlformats.org/officeDocument/2006/relationships" xmlns:p="http://schemas.openxmlformats.org/presentationml/2006/main">
   <p:cSld>
     <p:spTree>
@@ -3430,7 +3535,7 @@
 </p:sld>
 </file>
 
-<file path=ppt/slides/slide4.xml><?xml version="1.0" encoding="utf-8"?>
+<file path=ppt/slides/slide5.xml><?xml version="1.0" encoding="utf-8"?>
 <p:sld xmlns:a="http://schemas.openxmlformats.org/drawingml/2006/main" xmlns:r="http://schemas.openxmlformats.org/officeDocument/2006/relationships" xmlns:p="http://schemas.openxmlformats.org/presentationml/2006/main">
   <p:cSld>
     <p:spTree>
